--- a/assets/img/math/calculus/jacobian/jacobian.pptx
+++ b/assets/img/math/calculus/jacobian/jacobian.pptx
@@ -9,6 +9,7 @@
     <p:sldId id="257" r:id="rId3"/>
     <p:sldId id="258" r:id="rId4"/>
     <p:sldId id="259" r:id="rId5"/>
+    <p:sldId id="260" r:id="rId6"/>
   </p:sldIdLst>
   <p:sldSz cx="12192000" cy="6858000"/>
   <p:notesSz cx="6858000" cy="9144000"/>
@@ -262,7 +263,7 @@
           <a:p>
             <a:fld id="{84D73B02-A9A9-40A1-A5EE-8B0C143681C6}" type="datetimeFigureOut">
               <a:rPr lang="ko-KR" altLang="en-US" smtClean="0"/>
-              <a:t>2024-05-10</a:t>
+              <a:t>2024-05-11</a:t>
             </a:fld>
             <a:endParaRPr lang="ko-KR" altLang="en-US"/>
           </a:p>
@@ -460,7 +461,7 @@
           <a:p>
             <a:fld id="{84D73B02-A9A9-40A1-A5EE-8B0C143681C6}" type="datetimeFigureOut">
               <a:rPr lang="ko-KR" altLang="en-US" smtClean="0"/>
-              <a:t>2024-05-10</a:t>
+              <a:t>2024-05-11</a:t>
             </a:fld>
             <a:endParaRPr lang="ko-KR" altLang="en-US"/>
           </a:p>
@@ -668,7 +669,7 @@
           <a:p>
             <a:fld id="{84D73B02-A9A9-40A1-A5EE-8B0C143681C6}" type="datetimeFigureOut">
               <a:rPr lang="ko-KR" altLang="en-US" smtClean="0"/>
-              <a:t>2024-05-10</a:t>
+              <a:t>2024-05-11</a:t>
             </a:fld>
             <a:endParaRPr lang="ko-KR" altLang="en-US"/>
           </a:p>
@@ -866,7 +867,7 @@
           <a:p>
             <a:fld id="{84D73B02-A9A9-40A1-A5EE-8B0C143681C6}" type="datetimeFigureOut">
               <a:rPr lang="ko-KR" altLang="en-US" smtClean="0"/>
-              <a:t>2024-05-10</a:t>
+              <a:t>2024-05-11</a:t>
             </a:fld>
             <a:endParaRPr lang="ko-KR" altLang="en-US"/>
           </a:p>
@@ -1141,7 +1142,7 @@
           <a:p>
             <a:fld id="{84D73B02-A9A9-40A1-A5EE-8B0C143681C6}" type="datetimeFigureOut">
               <a:rPr lang="ko-KR" altLang="en-US" smtClean="0"/>
-              <a:t>2024-05-10</a:t>
+              <a:t>2024-05-11</a:t>
             </a:fld>
             <a:endParaRPr lang="ko-KR" altLang="en-US"/>
           </a:p>
@@ -1406,7 +1407,7 @@
           <a:p>
             <a:fld id="{84D73B02-A9A9-40A1-A5EE-8B0C143681C6}" type="datetimeFigureOut">
               <a:rPr lang="ko-KR" altLang="en-US" smtClean="0"/>
-              <a:t>2024-05-10</a:t>
+              <a:t>2024-05-11</a:t>
             </a:fld>
             <a:endParaRPr lang="ko-KR" altLang="en-US"/>
           </a:p>
@@ -1818,7 +1819,7 @@
           <a:p>
             <a:fld id="{84D73B02-A9A9-40A1-A5EE-8B0C143681C6}" type="datetimeFigureOut">
               <a:rPr lang="ko-KR" altLang="en-US" smtClean="0"/>
-              <a:t>2024-05-10</a:t>
+              <a:t>2024-05-11</a:t>
             </a:fld>
             <a:endParaRPr lang="ko-KR" altLang="en-US"/>
           </a:p>
@@ -1959,7 +1960,7 @@
           <a:p>
             <a:fld id="{84D73B02-A9A9-40A1-A5EE-8B0C143681C6}" type="datetimeFigureOut">
               <a:rPr lang="ko-KR" altLang="en-US" smtClean="0"/>
-              <a:t>2024-05-10</a:t>
+              <a:t>2024-05-11</a:t>
             </a:fld>
             <a:endParaRPr lang="ko-KR" altLang="en-US"/>
           </a:p>
@@ -2072,7 +2073,7 @@
           <a:p>
             <a:fld id="{84D73B02-A9A9-40A1-A5EE-8B0C143681C6}" type="datetimeFigureOut">
               <a:rPr lang="ko-KR" altLang="en-US" smtClean="0"/>
-              <a:t>2024-05-10</a:t>
+              <a:t>2024-05-11</a:t>
             </a:fld>
             <a:endParaRPr lang="ko-KR" altLang="en-US"/>
           </a:p>
@@ -2383,7 +2384,7 @@
           <a:p>
             <a:fld id="{84D73B02-A9A9-40A1-A5EE-8B0C143681C6}" type="datetimeFigureOut">
               <a:rPr lang="ko-KR" altLang="en-US" smtClean="0"/>
-              <a:t>2024-05-10</a:t>
+              <a:t>2024-05-11</a:t>
             </a:fld>
             <a:endParaRPr lang="ko-KR" altLang="en-US"/>
           </a:p>
@@ -2671,7 +2672,7 @@
           <a:p>
             <a:fld id="{84D73B02-A9A9-40A1-A5EE-8B0C143681C6}" type="datetimeFigureOut">
               <a:rPr lang="ko-KR" altLang="en-US" smtClean="0"/>
-              <a:t>2024-05-10</a:t>
+              <a:t>2024-05-11</a:t>
             </a:fld>
             <a:endParaRPr lang="ko-KR" altLang="en-US"/>
           </a:p>
@@ -2912,7 +2913,7 @@
           <a:p>
             <a:fld id="{84D73B02-A9A9-40A1-A5EE-8B0C143681C6}" type="datetimeFigureOut">
               <a:rPr lang="ko-KR" altLang="en-US" smtClean="0"/>
-              <a:t>2024-05-10</a:t>
+              <a:t>2024-05-11</a:t>
             </a:fld>
             <a:endParaRPr lang="ko-KR" altLang="en-US"/>
           </a:p>
@@ -3329,8 +3330,8 @@
           <a:chExt cx="0" cy="0"/>
         </a:xfrm>
       </p:grpSpPr>
-      <mc:AlternateContent xmlns:mc="http://schemas.openxmlformats.org/markup-compatibility/2006">
-        <mc:Choice xmlns:a14="http://schemas.microsoft.com/office/drawing/2010/main" Requires="a14">
+      <mc:AlternateContent xmlns:mc="http://schemas.openxmlformats.org/markup-compatibility/2006" xmlns:a14="http://schemas.microsoft.com/office/drawing/2010/main">
+        <mc:Choice Requires="a14">
           <p:graphicFrame>
             <p:nvGraphicFramePr>
               <p:cNvPr id="4" name="표 3">
@@ -4129,14 +4130,7 @@
                                               <a:latin typeface="Cambria Math" panose="02040503050406030204" pitchFamily="18" charset="0"/>
                                               <a:ea typeface="나눔바른고딕" panose="020B0603020101020101" pitchFamily="50" charset="-127"/>
                                             </a:rPr>
-                                            <m:t>,</m:t>
-                                          </m:r>
-                                          <m:r>
-                                            <a:rPr lang="en-US" altLang="ko-KR" sz="1500" b="0" i="1" smtClean="0">
-                                              <a:latin typeface="Cambria Math" panose="02040503050406030204" pitchFamily="18" charset="0"/>
-                                              <a:ea typeface="나눔바른고딕" panose="020B0603020101020101" pitchFamily="50" charset="-127"/>
-                                            </a:rPr>
-                                            <m:t> </m:t>
+                                            <m:t>, </m:t>
                                           </m:r>
                                           <m:r>
                                             <m:rPr>
@@ -4153,14 +4147,7 @@
                                               <a:latin typeface="Cambria Math" panose="02040503050406030204" pitchFamily="18" charset="0"/>
                                               <a:ea typeface="나눔바른고딕" panose="020B0603020101020101" pitchFamily="50" charset="-127"/>
                                             </a:rPr>
-                                            <m:t>,</m:t>
-                                          </m:r>
-                                          <m:r>
-                                            <a:rPr lang="en-US" altLang="ko-KR" sz="1500" b="0" i="1" smtClean="0">
-                                              <a:latin typeface="Cambria Math" panose="02040503050406030204" pitchFamily="18" charset="0"/>
-                                              <a:ea typeface="나눔바른고딕" panose="020B0603020101020101" pitchFamily="50" charset="-127"/>
-                                            </a:rPr>
-                                            <m:t> …)</m:t>
+                                            <m:t>, …)</m:t>
                                           </m:r>
                                         </m:e>
                                       </m:mr>
@@ -5607,14 +5594,7 @@
                                               <a:latin typeface="Cambria Math" panose="02040503050406030204" pitchFamily="18" charset="0"/>
                                               <a:ea typeface="나눔바른고딕" panose="020B0603020101020101" pitchFamily="50" charset="-127"/>
                                             </a:rPr>
-                                            <m:t>,</m:t>
-                                          </m:r>
-                                          <m:r>
-                                            <a:rPr lang="en-US" altLang="ko-KR" sz="1500" b="0" i="1" smtClean="0">
-                                              <a:latin typeface="Cambria Math" panose="02040503050406030204" pitchFamily="18" charset="0"/>
-                                              <a:ea typeface="나눔바른고딕" panose="020B0603020101020101" pitchFamily="50" charset="-127"/>
-                                            </a:rPr>
-                                            <m:t> </m:t>
+                                            <m:t>, </m:t>
                                           </m:r>
                                           <m:r>
                                             <m:rPr>
@@ -5631,14 +5611,7 @@
                                               <a:latin typeface="Cambria Math" panose="02040503050406030204" pitchFamily="18" charset="0"/>
                                               <a:ea typeface="나눔바른고딕" panose="020B0603020101020101" pitchFamily="50" charset="-127"/>
                                             </a:rPr>
-                                            <m:t>,</m:t>
-                                          </m:r>
-                                          <m:r>
-                                            <a:rPr lang="en-US" altLang="ko-KR" sz="1500" b="0" i="1" smtClean="0">
-                                              <a:latin typeface="Cambria Math" panose="02040503050406030204" pitchFamily="18" charset="0"/>
-                                              <a:ea typeface="나눔바른고딕" panose="020B0603020101020101" pitchFamily="50" charset="-127"/>
-                                            </a:rPr>
-                                            <m:t> …)</m:t>
+                                            <m:t>, …)</m:t>
                                           </m:r>
                                         </m:e>
                                         <m:e>
@@ -5758,14 +5731,7 @@
                                               <a:latin typeface="Cambria Math" panose="02040503050406030204" pitchFamily="18" charset="0"/>
                                               <a:ea typeface="나눔바른고딕" panose="020B0603020101020101" pitchFamily="50" charset="-127"/>
                                             </a:rPr>
-                                            <m:t>,</m:t>
-                                          </m:r>
-                                          <m:r>
-                                            <a:rPr lang="en-US" altLang="ko-KR" sz="1500" b="0" i="1" smtClean="0">
-                                              <a:latin typeface="Cambria Math" panose="02040503050406030204" pitchFamily="18" charset="0"/>
-                                              <a:ea typeface="나눔바른고딕" panose="020B0603020101020101" pitchFamily="50" charset="-127"/>
-                                            </a:rPr>
-                                            <m:t> </m:t>
+                                            <m:t>, </m:t>
                                           </m:r>
                                           <m:r>
                                             <m:rPr>
@@ -5782,14 +5748,7 @@
                                               <a:latin typeface="Cambria Math" panose="02040503050406030204" pitchFamily="18" charset="0"/>
                                               <a:ea typeface="나눔바른고딕" panose="020B0603020101020101" pitchFamily="50" charset="-127"/>
                                             </a:rPr>
-                                            <m:t>,</m:t>
-                                          </m:r>
-                                          <m:r>
-                                            <a:rPr lang="en-US" altLang="ko-KR" sz="1500" b="0" i="1" smtClean="0">
-                                              <a:latin typeface="Cambria Math" panose="02040503050406030204" pitchFamily="18" charset="0"/>
-                                              <a:ea typeface="나눔바른고딕" panose="020B0603020101020101" pitchFamily="50" charset="-127"/>
-                                            </a:rPr>
-                                            <m:t> …)</m:t>
+                                            <m:t>, …)</m:t>
                                           </m:r>
                                         </m:e>
                                         <m:e>
@@ -5911,14 +5870,7 @@
                                               <a:latin typeface="Cambria Math" panose="02040503050406030204" pitchFamily="18" charset="0"/>
                                               <a:ea typeface="나눔바른고딕" panose="020B0603020101020101" pitchFamily="50" charset="-127"/>
                                             </a:rPr>
-                                            <m:t>,</m:t>
-                                          </m:r>
-                                          <m:r>
-                                            <a:rPr lang="en-US" altLang="ko-KR" sz="1500" b="0" i="1" smtClean="0">
-                                              <a:latin typeface="Cambria Math" panose="02040503050406030204" pitchFamily="18" charset="0"/>
-                                              <a:ea typeface="나눔바른고딕" panose="020B0603020101020101" pitchFamily="50" charset="-127"/>
-                                            </a:rPr>
-                                            <m:t> </m:t>
+                                            <m:t>, </m:t>
                                           </m:r>
                                           <m:r>
                                             <a:rPr lang="en-US" altLang="ko-KR" sz="1500" b="0" i="1" smtClean="0">
@@ -6010,7 +5962,7 @@
             </a:graphic>
           </p:graphicFrame>
         </mc:Choice>
-        <mc:Fallback>
+        <mc:Fallback xmlns="">
           <p:graphicFrame>
             <p:nvGraphicFramePr>
               <p:cNvPr id="4" name="표 3">
@@ -6920,8 +6872,8 @@
             </a:p>
           </p:txBody>
         </p:sp>
-        <mc:AlternateContent xmlns:mc="http://schemas.openxmlformats.org/markup-compatibility/2006">
-          <mc:Choice xmlns:a14="http://schemas.microsoft.com/office/drawing/2010/main" Requires="a14">
+        <mc:AlternateContent xmlns:mc="http://schemas.openxmlformats.org/markup-compatibility/2006" xmlns:a14="http://schemas.microsoft.com/office/drawing/2010/main">
+          <mc:Choice Requires="a14">
             <p:sp>
               <p:nvSpPr>
                 <p:cNvPr id="7" name="TextBox 6">
@@ -6950,6 +6902,7 @@
                 </a:bodyPr>
                 <a:lstStyle/>
                 <a:p>
+                  <a:pPr/>
                   <a14:m>
                     <m:oMathPara xmlns:m="http://schemas.openxmlformats.org/officeDocument/2006/math">
                       <m:oMathParaPr>
@@ -6998,7 +6951,7 @@
               </p:txBody>
             </p:sp>
           </mc:Choice>
-          <mc:Fallback>
+          <mc:Fallback xmlns="">
             <p:sp>
               <p:nvSpPr>
                 <p:cNvPr id="7" name="TextBox 6">
@@ -7099,8 +7052,8 @@
             </a:p>
           </p:txBody>
         </p:sp>
-        <mc:AlternateContent xmlns:mc="http://schemas.openxmlformats.org/markup-compatibility/2006">
-          <mc:Choice xmlns:a14="http://schemas.microsoft.com/office/drawing/2010/main" Requires="a14">
+        <mc:AlternateContent xmlns:mc="http://schemas.openxmlformats.org/markup-compatibility/2006" xmlns:a14="http://schemas.microsoft.com/office/drawing/2010/main">
+          <mc:Choice Requires="a14">
             <p:sp>
               <p:nvSpPr>
                 <p:cNvPr id="10" name="TextBox 9">
@@ -7129,6 +7082,7 @@
                 </a:bodyPr>
                 <a:lstStyle/>
                 <a:p>
+                  <a:pPr/>
                   <a14:m>
                     <m:oMathPara xmlns:m="http://schemas.openxmlformats.org/officeDocument/2006/math">
                       <m:oMathParaPr>
@@ -7177,7 +7131,7 @@
               </p:txBody>
             </p:sp>
           </mc:Choice>
-          <mc:Fallback>
+          <mc:Fallback xmlns="">
             <p:sp>
               <p:nvSpPr>
                 <p:cNvPr id="10" name="TextBox 9">
@@ -7701,6 +7655,703 @@
 </p:sld>
 </file>
 
+<file path=ppt/slides/slide5.xml><?xml version="1.0" encoding="utf-8"?>
+<p:sld xmlns:a="http://schemas.openxmlformats.org/drawingml/2006/main" xmlns:r="http://schemas.openxmlformats.org/officeDocument/2006/relationships" xmlns:p="http://schemas.openxmlformats.org/presentationml/2006/main">
+  <p:cSld>
+    <p:spTree>
+      <p:nvGrpSpPr>
+        <p:cNvPr id="1" name=""/>
+        <p:cNvGrpSpPr/>
+        <p:nvPr/>
+      </p:nvGrpSpPr>
+      <p:grpSpPr>
+        <a:xfrm>
+          <a:off x="0" y="0"/>
+          <a:ext cx="0" cy="0"/>
+          <a:chOff x="0" y="0"/>
+          <a:chExt cx="0" cy="0"/>
+        </a:xfrm>
+      </p:grpSpPr>
+      <p:pic>
+        <p:nvPicPr>
+          <p:cNvPr id="5" name="그림 4" descr="텍스트, 폰트, 도표, 화이트이(가) 표시된 사진&#10;&#10;자동 생성된 설명">
+            <a:extLst>
+              <a:ext uri="{FF2B5EF4-FFF2-40B4-BE49-F238E27FC236}">
+                <a16:creationId xmlns:a16="http://schemas.microsoft.com/office/drawing/2014/main" id="{7FD819A1-5935-CA1A-BFB0-8D455BCF19FB}"/>
+              </a:ext>
+            </a:extLst>
+          </p:cNvPr>
+          <p:cNvPicPr>
+            <a:picLocks noChangeAspect="1"/>
+          </p:cNvPicPr>
+          <p:nvPr/>
+        </p:nvPicPr>
+        <p:blipFill>
+          <a:blip r:embed="rId2">
+            <a:extLst>
+              <a:ext uri="{28A0092B-C50C-407E-A947-70E740481C1C}">
+                <a14:useLocalDpi xmlns:a14="http://schemas.microsoft.com/office/drawing/2010/main" val="0"/>
+              </a:ext>
+            </a:extLst>
+          </a:blip>
+          <a:stretch>
+            <a:fillRect/>
+          </a:stretch>
+        </p:blipFill>
+        <p:spPr>
+          <a:xfrm>
+            <a:off x="512110" y="520726"/>
+            <a:ext cx="3048425" cy="1562318"/>
+          </a:xfrm>
+          <a:prstGeom prst="rect">
+            <a:avLst/>
+          </a:prstGeom>
+        </p:spPr>
+      </p:pic>
+      <mc:AlternateContent xmlns:mc="http://schemas.openxmlformats.org/markup-compatibility/2006">
+        <mc:Choice xmlns:a14="http://schemas.microsoft.com/office/drawing/2010/main" Requires="a14">
+          <p:sp>
+            <p:nvSpPr>
+              <p:cNvPr id="6" name="TextBox 5">
+                <a:extLst>
+                  <a:ext uri="{FF2B5EF4-FFF2-40B4-BE49-F238E27FC236}">
+                    <a16:creationId xmlns:a16="http://schemas.microsoft.com/office/drawing/2014/main" id="{D6708439-96C5-C659-2F88-64F565742CFC}"/>
+                  </a:ext>
+                </a:extLst>
+              </p:cNvPr>
+              <p:cNvSpPr txBox="1"/>
+              <p:nvPr/>
+            </p:nvSpPr>
+            <p:spPr>
+              <a:xfrm>
+                <a:off x="801001" y="2529146"/>
+                <a:ext cx="4732065" cy="1409425"/>
+              </a:xfrm>
+              <a:prstGeom prst="rect">
+                <a:avLst/>
+              </a:prstGeom>
+              <a:noFill/>
+            </p:spPr>
+            <p:txBody>
+              <a:bodyPr wrap="none" lIns="0" tIns="0" rIns="0" bIns="0" rtlCol="0">
+                <a:spAutoFit/>
+              </a:bodyPr>
+              <a:lstStyle/>
+              <a:p>
+                <a14:m>
+                  <m:oMathPara xmlns:m="http://schemas.openxmlformats.org/officeDocument/2006/math">
+                    <m:oMathParaPr>
+                      <m:jc m:val="centerGroup"/>
+                    </m:oMathParaPr>
+                    <m:oMath xmlns:m="http://schemas.openxmlformats.org/officeDocument/2006/math">
+                      <m:f>
+                        <m:fPr>
+                          <m:ctrlPr>
+                            <a:rPr lang="en-US" altLang="ko-KR" i="1" smtClean="0">
+                              <a:latin typeface="Cambria Math" panose="02040503050406030204" pitchFamily="18" charset="0"/>
+                            </a:rPr>
+                          </m:ctrlPr>
+                        </m:fPr>
+                        <m:num>
+                          <m:r>
+                            <a:rPr lang="en-US" altLang="ko-KR" b="0" i="1" smtClean="0">
+                              <a:latin typeface="Cambria Math" panose="02040503050406030204" pitchFamily="18" charset="0"/>
+                            </a:rPr>
+                            <m:t>𝜕</m:t>
+                          </m:r>
+                          <m:r>
+                            <a:rPr lang="en-US" altLang="ko-KR" b="0" i="1" smtClean="0">
+                              <a:latin typeface="Cambria Math" panose="02040503050406030204" pitchFamily="18" charset="0"/>
+                            </a:rPr>
+                            <m:t>𝑦</m:t>
+                          </m:r>
+                        </m:num>
+                        <m:den>
+                          <m:r>
+                            <a:rPr lang="en-US" altLang="ko-KR" b="0" i="1" smtClean="0">
+                              <a:latin typeface="Cambria Math" panose="02040503050406030204" pitchFamily="18" charset="0"/>
+                            </a:rPr>
+                            <m:t>𝜕</m:t>
+                          </m:r>
+                          <m:r>
+                            <a:rPr lang="en-US" altLang="ko-KR" b="0" i="1" smtClean="0">
+                              <a:latin typeface="Cambria Math" panose="02040503050406030204" pitchFamily="18" charset="0"/>
+                            </a:rPr>
+                            <m:t>𝑥</m:t>
+                          </m:r>
+                        </m:den>
+                      </m:f>
+                      <m:r>
+                        <a:rPr lang="en-US" altLang="ko-KR" b="0" i="1" smtClean="0">
+                          <a:latin typeface="Cambria Math" panose="02040503050406030204" pitchFamily="18" charset="0"/>
+                        </a:rPr>
+                        <m:t>= </m:t>
+                      </m:r>
+                      <m:f>
+                        <m:fPr>
+                          <m:ctrlPr>
+                            <a:rPr lang="en-US" altLang="ko-KR" b="0" i="1" smtClean="0">
+                              <a:latin typeface="Cambria Math" panose="02040503050406030204" pitchFamily="18" charset="0"/>
+                            </a:rPr>
+                          </m:ctrlPr>
+                        </m:fPr>
+                        <m:num>
+                          <m:r>
+                            <a:rPr lang="en-US" altLang="ko-KR" b="0" i="1" smtClean="0">
+                              <a:latin typeface="Cambria Math" panose="02040503050406030204" pitchFamily="18" charset="0"/>
+                            </a:rPr>
+                            <m:t>𝜕</m:t>
+                          </m:r>
+                          <m:r>
+                            <a:rPr lang="en-US" altLang="ko-KR" b="0" i="1" smtClean="0">
+                              <a:latin typeface="Cambria Math" panose="02040503050406030204" pitchFamily="18" charset="0"/>
+                            </a:rPr>
+                            <m:t>𝑓</m:t>
+                          </m:r>
+                          <m:r>
+                            <a:rPr lang="en-US" altLang="ko-KR" b="0" i="1" smtClean="0">
+                              <a:latin typeface="Cambria Math" panose="02040503050406030204" pitchFamily="18" charset="0"/>
+                            </a:rPr>
+                            <m:t>(</m:t>
+                          </m:r>
+                          <m:r>
+                            <a:rPr lang="en-US" altLang="ko-KR" b="0" i="1" smtClean="0">
+                              <a:latin typeface="Cambria Math" panose="02040503050406030204" pitchFamily="18" charset="0"/>
+                            </a:rPr>
+                            <m:t>𝑥</m:t>
+                          </m:r>
+                          <m:r>
+                            <a:rPr lang="en-US" altLang="ko-KR" b="0" i="1" smtClean="0">
+                              <a:latin typeface="Cambria Math" panose="02040503050406030204" pitchFamily="18" charset="0"/>
+                            </a:rPr>
+                            <m:t>)</m:t>
+                          </m:r>
+                        </m:num>
+                        <m:den>
+                          <m:r>
+                            <a:rPr lang="en-US" altLang="ko-KR" b="0" i="1" smtClean="0">
+                              <a:latin typeface="Cambria Math" panose="02040503050406030204" pitchFamily="18" charset="0"/>
+                            </a:rPr>
+                            <m:t>𝜕</m:t>
+                          </m:r>
+                          <m:r>
+                            <a:rPr lang="en-US" altLang="ko-KR" b="0" i="1" smtClean="0">
+                              <a:latin typeface="Cambria Math" panose="02040503050406030204" pitchFamily="18" charset="0"/>
+                            </a:rPr>
+                            <m:t>𝑥</m:t>
+                          </m:r>
+                        </m:den>
+                      </m:f>
+                      <m:r>
+                        <a:rPr lang="en-US" altLang="ko-KR" b="0" i="1" smtClean="0">
+                          <a:latin typeface="Cambria Math" panose="02040503050406030204" pitchFamily="18" charset="0"/>
+                        </a:rPr>
+                        <m:t>=</m:t>
+                      </m:r>
+                      <m:d>
+                        <m:dPr>
+                          <m:begChr m:val="["/>
+                          <m:endChr m:val="]"/>
+                          <m:ctrlPr>
+                            <a:rPr lang="en-US" altLang="ko-KR" b="0" i="1" smtClean="0">
+                              <a:latin typeface="Cambria Math" panose="02040503050406030204" pitchFamily="18" charset="0"/>
+                            </a:rPr>
+                          </m:ctrlPr>
+                        </m:dPr>
+                        <m:e>
+                          <m:m>
+                            <m:mPr>
+                              <m:mcs>
+                                <m:mc>
+                                  <m:mcPr>
+                                    <m:count m:val="3"/>
+                                    <m:mcJc m:val="center"/>
+                                  </m:mcPr>
+                                </m:mc>
+                              </m:mcs>
+                              <m:ctrlPr>
+                                <a:rPr lang="en-US" altLang="ko-KR" b="0" i="1" smtClean="0">
+                                  <a:latin typeface="Cambria Math" panose="02040503050406030204" pitchFamily="18" charset="0"/>
+                                </a:rPr>
+                              </m:ctrlPr>
+                            </m:mPr>
+                            <m:mr>
+                              <m:e>
+                                <m:f>
+                                  <m:fPr>
+                                    <m:ctrlPr>
+                                      <a:rPr lang="en-US" altLang="ko-KR" b="0" i="1" smtClean="0">
+                                        <a:latin typeface="Cambria Math" panose="02040503050406030204" pitchFamily="18" charset="0"/>
+                                      </a:rPr>
+                                    </m:ctrlPr>
+                                  </m:fPr>
+                                  <m:num>
+                                    <m:r>
+                                      <a:rPr lang="en-US" altLang="ko-KR" b="0" i="1" smtClean="0">
+                                        <a:latin typeface="Cambria Math" panose="02040503050406030204" pitchFamily="18" charset="0"/>
+                                      </a:rPr>
+                                      <m:t>𝜕</m:t>
+                                    </m:r>
+                                    <m:sSub>
+                                      <m:sSubPr>
+                                        <m:ctrlPr>
+                                          <a:rPr lang="en-US" altLang="ko-KR" b="0" i="1" smtClean="0">
+                                            <a:latin typeface="Cambria Math" panose="02040503050406030204" pitchFamily="18" charset="0"/>
+                                          </a:rPr>
+                                        </m:ctrlPr>
+                                      </m:sSubPr>
+                                      <m:e>
+                                        <m:r>
+                                          <a:rPr lang="en-US" altLang="ko-KR" b="0" i="1" smtClean="0">
+                                            <a:latin typeface="Cambria Math" panose="02040503050406030204" pitchFamily="18" charset="0"/>
+                                          </a:rPr>
+                                          <m:t>𝑓</m:t>
+                                        </m:r>
+                                      </m:e>
+                                      <m:sub>
+                                        <m:r>
+                                          <a:rPr lang="en-US" altLang="ko-KR" b="0" i="1" smtClean="0">
+                                            <a:latin typeface="Cambria Math" panose="02040503050406030204" pitchFamily="18" charset="0"/>
+                                          </a:rPr>
+                                          <m:t>1</m:t>
+                                        </m:r>
+                                      </m:sub>
+                                    </m:sSub>
+                                  </m:num>
+                                  <m:den>
+                                    <m:r>
+                                      <m:rPr>
+                                        <m:brk m:alnAt="7"/>
+                                      </m:rPr>
+                                      <a:rPr lang="en-US" altLang="ko-KR" b="0" i="1" smtClean="0">
+                                        <a:latin typeface="Cambria Math" panose="02040503050406030204" pitchFamily="18" charset="0"/>
+                                      </a:rPr>
+                                      <m:t>𝜕</m:t>
+                                    </m:r>
+                                    <m:sSub>
+                                      <m:sSubPr>
+                                        <m:ctrlPr>
+                                          <a:rPr lang="en-US" altLang="ko-KR" i="1">
+                                            <a:latin typeface="Cambria Math" panose="02040503050406030204" pitchFamily="18" charset="0"/>
+                                          </a:rPr>
+                                        </m:ctrlPr>
+                                      </m:sSubPr>
+                                      <m:e>
+                                        <m:r>
+                                          <m:rPr>
+                                            <m:brk m:alnAt="7"/>
+                                          </m:rPr>
+                                          <a:rPr lang="en-US" altLang="ko-KR" i="1">
+                                            <a:latin typeface="Cambria Math" panose="02040503050406030204" pitchFamily="18" charset="0"/>
+                                          </a:rPr>
+                                          <m:t>𝑥</m:t>
+                                        </m:r>
+                                      </m:e>
+                                      <m:sub>
+                                        <m:r>
+                                          <a:rPr lang="en-US" altLang="ko-KR" i="1">
+                                            <a:latin typeface="Cambria Math" panose="02040503050406030204" pitchFamily="18" charset="0"/>
+                                          </a:rPr>
+                                          <m:t>1</m:t>
+                                        </m:r>
+                                      </m:sub>
+                                    </m:sSub>
+                                  </m:den>
+                                </m:f>
+                              </m:e>
+                              <m:e>
+                                <m:r>
+                                  <a:rPr lang="en-US" altLang="ko-KR" b="0" i="1" smtClean="0">
+                                    <a:latin typeface="Cambria Math" panose="02040503050406030204" pitchFamily="18" charset="0"/>
+                                  </a:rPr>
+                                  <m:t>⋯</m:t>
+                                </m:r>
+                              </m:e>
+                              <m:e>
+                                <m:f>
+                                  <m:fPr>
+                                    <m:ctrlPr>
+                                      <a:rPr lang="en-US" altLang="ko-KR" i="1">
+                                        <a:latin typeface="Cambria Math" panose="02040503050406030204" pitchFamily="18" charset="0"/>
+                                      </a:rPr>
+                                    </m:ctrlPr>
+                                  </m:fPr>
+                                  <m:num>
+                                    <m:r>
+                                      <a:rPr lang="en-US" altLang="ko-KR" i="1">
+                                        <a:latin typeface="Cambria Math" panose="02040503050406030204" pitchFamily="18" charset="0"/>
+                                      </a:rPr>
+                                      <m:t>𝜕</m:t>
+                                    </m:r>
+                                    <m:sSub>
+                                      <m:sSubPr>
+                                        <m:ctrlPr>
+                                          <a:rPr lang="en-US" altLang="ko-KR" i="1">
+                                            <a:latin typeface="Cambria Math" panose="02040503050406030204" pitchFamily="18" charset="0"/>
+                                          </a:rPr>
+                                        </m:ctrlPr>
+                                      </m:sSubPr>
+                                      <m:e>
+                                        <m:r>
+                                          <a:rPr lang="en-US" altLang="ko-KR" i="1">
+                                            <a:latin typeface="Cambria Math" panose="02040503050406030204" pitchFamily="18" charset="0"/>
+                                          </a:rPr>
+                                          <m:t>𝑓</m:t>
+                                        </m:r>
+                                      </m:e>
+                                      <m:sub>
+                                        <m:r>
+                                          <a:rPr lang="en-US" altLang="ko-KR" i="1">
+                                            <a:latin typeface="Cambria Math" panose="02040503050406030204" pitchFamily="18" charset="0"/>
+                                          </a:rPr>
+                                          <m:t>1</m:t>
+                                        </m:r>
+                                      </m:sub>
+                                    </m:sSub>
+                                  </m:num>
+                                  <m:den>
+                                    <m:r>
+                                      <m:rPr>
+                                        <m:brk m:alnAt="7"/>
+                                      </m:rPr>
+                                      <a:rPr lang="en-US" altLang="ko-KR" i="1">
+                                        <a:latin typeface="Cambria Math" panose="02040503050406030204" pitchFamily="18" charset="0"/>
+                                      </a:rPr>
+                                      <m:t>𝜕</m:t>
+                                    </m:r>
+                                    <m:sSub>
+                                      <m:sSubPr>
+                                        <m:ctrlPr>
+                                          <a:rPr lang="en-US" altLang="ko-KR" i="1">
+                                            <a:latin typeface="Cambria Math" panose="02040503050406030204" pitchFamily="18" charset="0"/>
+                                          </a:rPr>
+                                        </m:ctrlPr>
+                                      </m:sSubPr>
+                                      <m:e>
+                                        <m:r>
+                                          <m:rPr>
+                                            <m:brk m:alnAt="7"/>
+                                          </m:rPr>
+                                          <a:rPr lang="en-US" altLang="ko-KR" i="1">
+                                            <a:latin typeface="Cambria Math" panose="02040503050406030204" pitchFamily="18" charset="0"/>
+                                          </a:rPr>
+                                          <m:t>𝑥</m:t>
+                                        </m:r>
+                                      </m:e>
+                                      <m:sub>
+                                        <m:r>
+                                          <a:rPr lang="en-US" altLang="ko-KR" b="0" i="1" smtClean="0">
+                                            <a:latin typeface="Cambria Math" panose="02040503050406030204" pitchFamily="18" charset="0"/>
+                                          </a:rPr>
+                                          <m:t>𝑚</m:t>
+                                        </m:r>
+                                      </m:sub>
+                                    </m:sSub>
+                                  </m:den>
+                                </m:f>
+                              </m:e>
+                            </m:mr>
+                            <m:mr>
+                              <m:e>
+                                <m:r>
+                                  <a:rPr lang="en-US" altLang="ko-KR" b="0" i="1" smtClean="0">
+                                    <a:latin typeface="Cambria Math" panose="02040503050406030204" pitchFamily="18" charset="0"/>
+                                  </a:rPr>
+                                  <m:t>⋮</m:t>
+                                </m:r>
+                              </m:e>
+                              <m:e>
+                                <m:r>
+                                  <a:rPr lang="en-US" altLang="ko-KR" b="0" i="1" smtClean="0">
+                                    <a:latin typeface="Cambria Math" panose="02040503050406030204" pitchFamily="18" charset="0"/>
+                                  </a:rPr>
+                                  <m:t>⋱</m:t>
+                                </m:r>
+                              </m:e>
+                              <m:e>
+                                <m:r>
+                                  <a:rPr lang="en-US" altLang="ko-KR" b="0" i="1" smtClean="0">
+                                    <a:latin typeface="Cambria Math" panose="02040503050406030204" pitchFamily="18" charset="0"/>
+                                  </a:rPr>
+                                  <m:t>⋮</m:t>
+                                </m:r>
+                              </m:e>
+                            </m:mr>
+                            <m:mr>
+                              <m:e>
+                                <m:f>
+                                  <m:fPr>
+                                    <m:ctrlPr>
+                                      <a:rPr lang="en-US" altLang="ko-KR" i="1">
+                                        <a:latin typeface="Cambria Math" panose="02040503050406030204" pitchFamily="18" charset="0"/>
+                                      </a:rPr>
+                                    </m:ctrlPr>
+                                  </m:fPr>
+                                  <m:num>
+                                    <m:r>
+                                      <a:rPr lang="en-US" altLang="ko-KR" i="1">
+                                        <a:latin typeface="Cambria Math" panose="02040503050406030204" pitchFamily="18" charset="0"/>
+                                      </a:rPr>
+                                      <m:t>𝜕</m:t>
+                                    </m:r>
+                                    <m:sSub>
+                                      <m:sSubPr>
+                                        <m:ctrlPr>
+                                          <a:rPr lang="en-US" altLang="ko-KR" i="1">
+                                            <a:latin typeface="Cambria Math" panose="02040503050406030204" pitchFamily="18" charset="0"/>
+                                          </a:rPr>
+                                        </m:ctrlPr>
+                                      </m:sSubPr>
+                                      <m:e>
+                                        <m:r>
+                                          <a:rPr lang="en-US" altLang="ko-KR" i="1">
+                                            <a:latin typeface="Cambria Math" panose="02040503050406030204" pitchFamily="18" charset="0"/>
+                                          </a:rPr>
+                                          <m:t>𝑓</m:t>
+                                        </m:r>
+                                      </m:e>
+                                      <m:sub>
+                                        <m:r>
+                                          <a:rPr lang="en-US" altLang="ko-KR" b="0" i="1" smtClean="0">
+                                            <a:latin typeface="Cambria Math" panose="02040503050406030204" pitchFamily="18" charset="0"/>
+                                          </a:rPr>
+                                          <m:t>𝑛</m:t>
+                                        </m:r>
+                                      </m:sub>
+                                    </m:sSub>
+                                  </m:num>
+                                  <m:den>
+                                    <m:r>
+                                      <m:rPr>
+                                        <m:brk m:alnAt="7"/>
+                                      </m:rPr>
+                                      <a:rPr lang="en-US" altLang="ko-KR" i="1">
+                                        <a:latin typeface="Cambria Math" panose="02040503050406030204" pitchFamily="18" charset="0"/>
+                                      </a:rPr>
+                                      <m:t>𝜕</m:t>
+                                    </m:r>
+                                    <m:sSub>
+                                      <m:sSubPr>
+                                        <m:ctrlPr>
+                                          <a:rPr lang="en-US" altLang="ko-KR" i="1">
+                                            <a:latin typeface="Cambria Math" panose="02040503050406030204" pitchFamily="18" charset="0"/>
+                                          </a:rPr>
+                                        </m:ctrlPr>
+                                      </m:sSubPr>
+                                      <m:e>
+                                        <m:r>
+                                          <m:rPr>
+                                            <m:brk m:alnAt="7"/>
+                                          </m:rPr>
+                                          <a:rPr lang="en-US" altLang="ko-KR" i="1">
+                                            <a:latin typeface="Cambria Math" panose="02040503050406030204" pitchFamily="18" charset="0"/>
+                                          </a:rPr>
+                                          <m:t>𝑥</m:t>
+                                        </m:r>
+                                      </m:e>
+                                      <m:sub>
+                                        <m:r>
+                                          <a:rPr lang="en-US" altLang="ko-KR" b="0" i="1" smtClean="0">
+                                            <a:latin typeface="Cambria Math" panose="02040503050406030204" pitchFamily="18" charset="0"/>
+                                          </a:rPr>
+                                          <m:t>1</m:t>
+                                        </m:r>
+                                      </m:sub>
+                                    </m:sSub>
+                                  </m:den>
+                                </m:f>
+                              </m:e>
+                              <m:e>
+                                <m:r>
+                                  <a:rPr lang="en-US" altLang="ko-KR" b="0" i="1" smtClean="0">
+                                    <a:latin typeface="Cambria Math" panose="02040503050406030204" pitchFamily="18" charset="0"/>
+                                  </a:rPr>
+                                  <m:t>⋯</m:t>
+                                </m:r>
+                              </m:e>
+                              <m:e>
+                                <m:f>
+                                  <m:fPr>
+                                    <m:ctrlPr>
+                                      <a:rPr lang="en-US" altLang="ko-KR" i="1">
+                                        <a:latin typeface="Cambria Math" panose="02040503050406030204" pitchFamily="18" charset="0"/>
+                                      </a:rPr>
+                                    </m:ctrlPr>
+                                  </m:fPr>
+                                  <m:num>
+                                    <m:r>
+                                      <a:rPr lang="en-US" altLang="ko-KR" i="1">
+                                        <a:latin typeface="Cambria Math" panose="02040503050406030204" pitchFamily="18" charset="0"/>
+                                      </a:rPr>
+                                      <m:t>𝜕</m:t>
+                                    </m:r>
+                                    <m:sSub>
+                                      <m:sSubPr>
+                                        <m:ctrlPr>
+                                          <a:rPr lang="en-US" altLang="ko-KR" i="1">
+                                            <a:latin typeface="Cambria Math" panose="02040503050406030204" pitchFamily="18" charset="0"/>
+                                          </a:rPr>
+                                        </m:ctrlPr>
+                                      </m:sSubPr>
+                                      <m:e>
+                                        <m:r>
+                                          <a:rPr lang="en-US" altLang="ko-KR" i="1">
+                                            <a:latin typeface="Cambria Math" panose="02040503050406030204" pitchFamily="18" charset="0"/>
+                                          </a:rPr>
+                                          <m:t>𝑓</m:t>
+                                        </m:r>
+                                      </m:e>
+                                      <m:sub>
+                                        <m:r>
+                                          <a:rPr lang="en-US" altLang="ko-KR" b="0" i="1" smtClean="0">
+                                            <a:latin typeface="Cambria Math" panose="02040503050406030204" pitchFamily="18" charset="0"/>
+                                          </a:rPr>
+                                          <m:t>𝑛</m:t>
+                                        </m:r>
+                                      </m:sub>
+                                    </m:sSub>
+                                  </m:num>
+                                  <m:den>
+                                    <m:r>
+                                      <m:rPr>
+                                        <m:brk m:alnAt="7"/>
+                                      </m:rPr>
+                                      <a:rPr lang="en-US" altLang="ko-KR" i="1">
+                                        <a:latin typeface="Cambria Math" panose="02040503050406030204" pitchFamily="18" charset="0"/>
+                                      </a:rPr>
+                                      <m:t>𝜕</m:t>
+                                    </m:r>
+                                    <m:sSub>
+                                      <m:sSubPr>
+                                        <m:ctrlPr>
+                                          <a:rPr lang="en-US" altLang="ko-KR" i="1">
+                                            <a:latin typeface="Cambria Math" panose="02040503050406030204" pitchFamily="18" charset="0"/>
+                                          </a:rPr>
+                                        </m:ctrlPr>
+                                      </m:sSubPr>
+                                      <m:e>
+                                        <m:r>
+                                          <m:rPr>
+                                            <m:brk m:alnAt="7"/>
+                                          </m:rPr>
+                                          <a:rPr lang="en-US" altLang="ko-KR" i="1">
+                                            <a:latin typeface="Cambria Math" panose="02040503050406030204" pitchFamily="18" charset="0"/>
+                                          </a:rPr>
+                                          <m:t>𝑥</m:t>
+                                        </m:r>
+                                      </m:e>
+                                      <m:sub>
+                                        <m:r>
+                                          <a:rPr lang="en-US" altLang="ko-KR" b="0" i="1" smtClean="0">
+                                            <a:latin typeface="Cambria Math" panose="02040503050406030204" pitchFamily="18" charset="0"/>
+                                          </a:rPr>
+                                          <m:t>𝑚</m:t>
+                                        </m:r>
+                                      </m:sub>
+                                    </m:sSub>
+                                  </m:den>
+                                </m:f>
+                              </m:e>
+                            </m:mr>
+                          </m:m>
+                        </m:e>
+                      </m:d>
+                      <m:r>
+                        <a:rPr lang="en-US" altLang="ko-KR" b="0" i="1" smtClean="0">
+                          <a:latin typeface="Cambria Math" panose="02040503050406030204" pitchFamily="18" charset="0"/>
+                        </a:rPr>
+                        <m:t>=</m:t>
+                      </m:r>
+                      <m:r>
+                        <a:rPr lang="en-US" altLang="ko-KR" b="0" i="1" smtClean="0">
+                          <a:latin typeface="Cambria Math" panose="02040503050406030204" pitchFamily="18" charset="0"/>
+                        </a:rPr>
+                        <m:t>𝐽</m:t>
+                      </m:r>
+                      <m:r>
+                        <a:rPr lang="en-US" altLang="ko-KR" b="0" i="1" smtClean="0">
+                          <a:latin typeface="Cambria Math" panose="02040503050406030204" pitchFamily="18" charset="0"/>
+                        </a:rPr>
+                        <m:t>(</m:t>
+                      </m:r>
+                      <m:r>
+                        <a:rPr lang="en-US" altLang="ko-KR" b="0" i="1" smtClean="0">
+                          <a:latin typeface="Cambria Math" panose="02040503050406030204" pitchFamily="18" charset="0"/>
+                        </a:rPr>
+                        <m:t>𝐽𝑎𝑐𝑜𝑏𝑖𝑎𝑛</m:t>
+                      </m:r>
+                      <m:r>
+                        <a:rPr lang="en-US" altLang="ko-KR" b="0" i="1" smtClean="0">
+                          <a:latin typeface="Cambria Math" panose="02040503050406030204" pitchFamily="18" charset="0"/>
+                        </a:rPr>
+                        <m:t>)</m:t>
+                      </m:r>
+                    </m:oMath>
+                  </m:oMathPara>
+                </a14:m>
+                <a:endParaRPr lang="ko-KR" altLang="en-US"/>
+              </a:p>
+            </p:txBody>
+          </p:sp>
+        </mc:Choice>
+        <mc:Fallback>
+          <p:sp>
+            <p:nvSpPr>
+              <p:cNvPr id="6" name="TextBox 5">
+                <a:extLst>
+                  <a:ext uri="{FF2B5EF4-FFF2-40B4-BE49-F238E27FC236}">
+                    <a16:creationId xmlns:a16="http://schemas.microsoft.com/office/drawing/2014/main" id="{D6708439-96C5-C659-2F88-64F565742CFC}"/>
+                  </a:ext>
+                </a:extLst>
+              </p:cNvPr>
+              <p:cNvSpPr txBox="1">
+                <a:spLocks noRot="1" noChangeAspect="1" noMove="1" noResize="1" noEditPoints="1" noAdjustHandles="1" noChangeArrowheads="1" noChangeShapeType="1" noTextEdit="1"/>
+              </p:cNvSpPr>
+              <p:nvPr/>
+            </p:nvSpPr>
+            <p:spPr>
+              <a:xfrm>
+                <a:off x="801001" y="2529146"/>
+                <a:ext cx="4732065" cy="1409425"/>
+              </a:xfrm>
+              <a:prstGeom prst="rect">
+                <a:avLst/>
+              </a:prstGeom>
+              <a:blipFill>
+                <a:blip r:embed="rId3"/>
+                <a:stretch>
+                  <a:fillRect/>
+                </a:stretch>
+              </a:blipFill>
+            </p:spPr>
+            <p:txBody>
+              <a:bodyPr/>
+              <a:lstStyle/>
+              <a:p>
+                <a:r>
+                  <a:rPr lang="ko-KR" altLang="en-US">
+                    <a:noFill/>
+                  </a:rPr>
+                  <a:t> </a:t>
+                </a:r>
+              </a:p>
+            </p:txBody>
+          </p:sp>
+        </mc:Fallback>
+      </mc:AlternateContent>
+    </p:spTree>
+    <p:extLst>
+      <p:ext uri="{BB962C8B-B14F-4D97-AF65-F5344CB8AC3E}">
+        <p14:creationId xmlns:p14="http://schemas.microsoft.com/office/powerpoint/2010/main" val="192049147"/>
+      </p:ext>
+    </p:extLst>
+  </p:cSld>
+  <p:clrMapOvr>
+    <a:masterClrMapping/>
+  </p:clrMapOvr>
+</p:sld>
+</file>
+
 <file path=ppt/theme/theme1.xml><?xml version="1.0" encoding="utf-8"?>
 <a:theme xmlns:a="http://schemas.openxmlformats.org/drawingml/2006/main" name="Office 테마">
   <a:themeElements>
